--- a/design.pptx
+++ b/design.pptx
@@ -7,6 +7,7 @@
   <p:sldIdLst>
     <p:sldId id="256" r:id="rId2"/>
     <p:sldId id="257" r:id="rId3"/>
+    <p:sldId id="258" r:id="rId4"/>
   </p:sldIdLst>
   <p:sldSz cx="12192000" cy="6858000"/>
   <p:notesSz cx="6858000" cy="9144000"/>
@@ -105,6 +106,11 @@
       </a:defRPr>
     </a:lvl9pPr>
   </p:defaultTextStyle>
+  <p:extLst>
+    <p:ext uri="{EFAFB233-063F-42B5-8137-9DF3F51BA10A}">
+      <p15:sldGuideLst xmlns:p15="http://schemas.microsoft.com/office/powerpoint/2012/main"/>
+    </p:ext>
+  </p:extLst>
 </p:presentation>
 </file>
 
@@ -257,7 +263,7 @@
           <a:p>
             <a:fld id="{9507F9FE-9B71-46BD-8744-481A853FF3DF}" type="datetimeFigureOut">
               <a:rPr lang="en-GB" smtClean="0"/>
-              <a:t>25/09/2024</a:t>
+              <a:t>26/09/2024</a:t>
             </a:fld>
             <a:endParaRPr lang="en-GB"/>
           </a:p>
@@ -457,7 +463,7 @@
           <a:p>
             <a:fld id="{9507F9FE-9B71-46BD-8744-481A853FF3DF}" type="datetimeFigureOut">
               <a:rPr lang="en-GB" smtClean="0"/>
-              <a:t>25/09/2024</a:t>
+              <a:t>26/09/2024</a:t>
             </a:fld>
             <a:endParaRPr lang="en-GB"/>
           </a:p>
@@ -667,7 +673,7 @@
           <a:p>
             <a:fld id="{9507F9FE-9B71-46BD-8744-481A853FF3DF}" type="datetimeFigureOut">
               <a:rPr lang="en-GB" smtClean="0"/>
-              <a:t>25/09/2024</a:t>
+              <a:t>26/09/2024</a:t>
             </a:fld>
             <a:endParaRPr lang="en-GB"/>
           </a:p>
@@ -867,7 +873,7 @@
           <a:p>
             <a:fld id="{9507F9FE-9B71-46BD-8744-481A853FF3DF}" type="datetimeFigureOut">
               <a:rPr lang="en-GB" smtClean="0"/>
-              <a:t>25/09/2024</a:t>
+              <a:t>26/09/2024</a:t>
             </a:fld>
             <a:endParaRPr lang="en-GB"/>
           </a:p>
@@ -1143,7 +1149,7 @@
           <a:p>
             <a:fld id="{9507F9FE-9B71-46BD-8744-481A853FF3DF}" type="datetimeFigureOut">
               <a:rPr lang="en-GB" smtClean="0"/>
-              <a:t>25/09/2024</a:t>
+              <a:t>26/09/2024</a:t>
             </a:fld>
             <a:endParaRPr lang="en-GB"/>
           </a:p>
@@ -1411,7 +1417,7 @@
           <a:p>
             <a:fld id="{9507F9FE-9B71-46BD-8744-481A853FF3DF}" type="datetimeFigureOut">
               <a:rPr lang="en-GB" smtClean="0"/>
-              <a:t>25/09/2024</a:t>
+              <a:t>26/09/2024</a:t>
             </a:fld>
             <a:endParaRPr lang="en-GB"/>
           </a:p>
@@ -1826,7 +1832,7 @@
           <a:p>
             <a:fld id="{9507F9FE-9B71-46BD-8744-481A853FF3DF}" type="datetimeFigureOut">
               <a:rPr lang="en-GB" smtClean="0"/>
-              <a:t>25/09/2024</a:t>
+              <a:t>26/09/2024</a:t>
             </a:fld>
             <a:endParaRPr lang="en-GB"/>
           </a:p>
@@ -1968,7 +1974,7 @@
           <a:p>
             <a:fld id="{9507F9FE-9B71-46BD-8744-481A853FF3DF}" type="datetimeFigureOut">
               <a:rPr lang="en-GB" smtClean="0"/>
-              <a:t>25/09/2024</a:t>
+              <a:t>26/09/2024</a:t>
             </a:fld>
             <a:endParaRPr lang="en-GB"/>
           </a:p>
@@ -2081,7 +2087,7 @@
           <a:p>
             <a:fld id="{9507F9FE-9B71-46BD-8744-481A853FF3DF}" type="datetimeFigureOut">
               <a:rPr lang="en-GB" smtClean="0"/>
-              <a:t>25/09/2024</a:t>
+              <a:t>26/09/2024</a:t>
             </a:fld>
             <a:endParaRPr lang="en-GB"/>
           </a:p>
@@ -2394,7 +2400,7 @@
           <a:p>
             <a:fld id="{9507F9FE-9B71-46BD-8744-481A853FF3DF}" type="datetimeFigureOut">
               <a:rPr lang="en-GB" smtClean="0"/>
-              <a:t>25/09/2024</a:t>
+              <a:t>26/09/2024</a:t>
             </a:fld>
             <a:endParaRPr lang="en-GB"/>
           </a:p>
@@ -2683,7 +2689,7 @@
           <a:p>
             <a:fld id="{9507F9FE-9B71-46BD-8744-481A853FF3DF}" type="datetimeFigureOut">
               <a:rPr lang="en-GB" smtClean="0"/>
-              <a:t>25/09/2024</a:t>
+              <a:t>26/09/2024</a:t>
             </a:fld>
             <a:endParaRPr lang="en-GB"/>
           </a:p>
@@ -2926,7 +2932,7 @@
           <a:p>
             <a:fld id="{9507F9FE-9B71-46BD-8744-481A853FF3DF}" type="datetimeFigureOut">
               <a:rPr lang="en-GB" smtClean="0"/>
-              <a:t>25/09/2024</a:t>
+              <a:t>26/09/2024</a:t>
             </a:fld>
             <a:endParaRPr lang="en-GB"/>
           </a:p>
@@ -3579,10 +3585,10 @@
       </p:grpSpPr>
       <p:sp>
         <p:nvSpPr>
-          <p:cNvPr id="4" name="Rectangle 3">
-            <a:extLst>
-              <a:ext uri="{FF2B5EF4-FFF2-40B4-BE49-F238E27FC236}">
-                <a16:creationId xmlns:a16="http://schemas.microsoft.com/office/drawing/2014/main" id="{7D099E80-F06E-82C1-8E8A-15808CEDC3FB}"/>
+          <p:cNvPr id="2" name="Rectangle 1">
+            <a:extLst>
+              <a:ext uri="{FF2B5EF4-FFF2-40B4-BE49-F238E27FC236}">
+                <a16:creationId xmlns:a16="http://schemas.microsoft.com/office/drawing/2014/main" id="{449F6096-630F-68B1-13D4-E3570B8724C7}"/>
               </a:ext>
             </a:extLst>
           </p:cNvPr>
@@ -3591,8 +3597,8 @@
         </p:nvSpPr>
         <p:spPr>
           <a:xfrm>
-            <a:off x="410547" y="186612"/>
-            <a:ext cx="727788" cy="783772"/>
+            <a:off x="4041648" y="740664"/>
+            <a:ext cx="5001768" cy="2530856"/>
           </a:xfrm>
           <a:prstGeom prst="rect">
             <a:avLst/>
@@ -3619,16 +3625,52 @@
           <a:lstStyle/>
           <a:p>
             <a:pPr algn="ctr"/>
-            <a:endParaRPr lang="en-GB"/>
-          </a:p>
-        </p:txBody>
-      </p:sp>
-      <p:sp>
-        <p:nvSpPr>
-          <p:cNvPr id="5" name="Rectangle 4">
-            <a:extLst>
-              <a:ext uri="{FF2B5EF4-FFF2-40B4-BE49-F238E27FC236}">
-                <a16:creationId xmlns:a16="http://schemas.microsoft.com/office/drawing/2014/main" id="{6B00A629-A5B4-D174-2E27-B70F26072C61}"/>
+            <a:r>
+              <a:rPr lang="en-US" dirty="0"/>
+              <a:t>Software Engineering Projects</a:t>
+            </a:r>
+          </a:p>
+          <a:p>
+            <a:pPr algn="ctr"/>
+            <a:r>
+              <a:rPr lang="en-US" dirty="0"/>
+              <a:t>______________________</a:t>
+            </a:r>
+          </a:p>
+          <a:p>
+            <a:pPr marL="285750" indent="-285750" algn="ctr">
+              <a:buFont typeface="Wingdings" panose="05000000000000000000" pitchFamily="2" charset="2"/>
+              <a:buChar char="Ø"/>
+            </a:pPr>
+            <a:r>
+              <a:rPr lang="en-US" dirty="0"/>
+              <a:t>Title:</a:t>
+            </a:r>
+            <a:endParaRPr lang="en-GB" dirty="0"/>
+          </a:p>
+          <a:p>
+            <a:pPr algn="ctr"/>
+            <a:r>
+              <a:rPr lang="en-GB" dirty="0"/>
+              <a:t>Small description</a:t>
+            </a:r>
+          </a:p>
+          <a:p>
+            <a:pPr algn="ctr"/>
+            <a:r>
+              <a:rPr lang="en-GB" dirty="0"/>
+              <a:t>----------------------</a:t>
+            </a:r>
+            <a:endParaRPr lang="en-US" dirty="0"/>
+          </a:p>
+        </p:txBody>
+      </p:sp>
+      <p:sp>
+        <p:nvSpPr>
+          <p:cNvPr id="3" name="Rectangle 2">
+            <a:extLst>
+              <a:ext uri="{FF2B5EF4-FFF2-40B4-BE49-F238E27FC236}">
+                <a16:creationId xmlns:a16="http://schemas.microsoft.com/office/drawing/2014/main" id="{D70FE54B-DFB3-A6E5-C393-45BD79BB6761}"/>
               </a:ext>
             </a:extLst>
           </p:cNvPr>
@@ -3637,8 +3679,8 @@
         </p:nvSpPr>
         <p:spPr>
           <a:xfrm>
-            <a:off x="410547" y="1122784"/>
-            <a:ext cx="727788" cy="5371322"/>
+            <a:off x="4041648" y="4181856"/>
+            <a:ext cx="5001768" cy="1078992"/>
           </a:xfrm>
           <a:prstGeom prst="rect">
             <a:avLst/>
@@ -3665,16 +3707,20 @@
           <a:lstStyle/>
           <a:p>
             <a:pPr algn="ctr"/>
-            <a:endParaRPr lang="en-GB"/>
-          </a:p>
-        </p:txBody>
-      </p:sp>
-      <p:sp>
-        <p:nvSpPr>
-          <p:cNvPr id="8" name="Rectangle 7">
-            <a:extLst>
-              <a:ext uri="{FF2B5EF4-FFF2-40B4-BE49-F238E27FC236}">
-                <a16:creationId xmlns:a16="http://schemas.microsoft.com/office/drawing/2014/main" id="{09EDBB86-D005-E4F6-6F7A-F1D0B03328ED}"/>
+            <a:r>
+              <a:rPr lang="en-US" dirty="0"/>
+              <a:t>AI Projects</a:t>
+            </a:r>
+            <a:endParaRPr lang="en-GB" dirty="0"/>
+          </a:p>
+        </p:txBody>
+      </p:sp>
+      <p:sp>
+        <p:nvSpPr>
+          <p:cNvPr id="6" name="Rectangle 5">
+            <a:extLst>
+              <a:ext uri="{FF2B5EF4-FFF2-40B4-BE49-F238E27FC236}">
+                <a16:creationId xmlns:a16="http://schemas.microsoft.com/office/drawing/2014/main" id="{4F74A899-C247-D441-BBEB-26EE4E7AF3FD}"/>
               </a:ext>
             </a:extLst>
           </p:cNvPr>
@@ -3683,8 +3729,8 @@
         </p:nvSpPr>
         <p:spPr>
           <a:xfrm>
-            <a:off x="4398866" y="578498"/>
-            <a:ext cx="7128587" cy="783772"/>
+            <a:off x="4046220" y="5577840"/>
+            <a:ext cx="5001768" cy="1078992"/>
           </a:xfrm>
           <a:prstGeom prst="rect">
             <a:avLst/>
@@ -3713,7 +3759,7 @@
             <a:pPr algn="ctr"/>
             <a:r>
               <a:rPr lang="en-US" dirty="0"/>
-              <a:t>Home | Project | Work experience | Connect</a:t>
+              <a:t>Robotics Projects</a:t>
             </a:r>
             <a:endParaRPr lang="en-GB" dirty="0"/>
           </a:p>
@@ -3723,6 +3769,107 @@
     <p:extLst>
       <p:ext uri="{BB962C8B-B14F-4D97-AF65-F5344CB8AC3E}">
         <p14:creationId xmlns:p14="http://schemas.microsoft.com/office/powerpoint/2010/main" val="838364353"/>
+      </p:ext>
+    </p:extLst>
+  </p:cSld>
+  <p:clrMapOvr>
+    <a:masterClrMapping/>
+  </p:clrMapOvr>
+</p:sld>
+</file>
+
+<file path=ppt/slides/slide3.xml><?xml version="1.0" encoding="utf-8"?>
+<p:sld xmlns:a="http://schemas.openxmlformats.org/drawingml/2006/main" xmlns:r="http://schemas.openxmlformats.org/officeDocument/2006/relationships" xmlns:p="http://schemas.openxmlformats.org/presentationml/2006/main">
+  <p:cSld>
+    <p:spTree>
+      <p:nvGrpSpPr>
+        <p:cNvPr id="1" name=""/>
+        <p:cNvGrpSpPr/>
+        <p:nvPr/>
+      </p:nvGrpSpPr>
+      <p:grpSpPr>
+        <a:xfrm>
+          <a:off x="0" y="0"/>
+          <a:ext cx="0" cy="0"/>
+          <a:chOff x="0" y="0"/>
+          <a:chExt cx="0" cy="0"/>
+        </a:xfrm>
+      </p:grpSpPr>
+      <p:sp>
+        <p:nvSpPr>
+          <p:cNvPr id="2" name="Rectangle 1">
+            <a:extLst>
+              <a:ext uri="{FF2B5EF4-FFF2-40B4-BE49-F238E27FC236}">
+                <a16:creationId xmlns:a16="http://schemas.microsoft.com/office/drawing/2014/main" id="{449F6096-630F-68B1-13D4-E3570B8724C7}"/>
+              </a:ext>
+            </a:extLst>
+          </p:cNvPr>
+          <p:cNvSpPr/>
+          <p:nvPr/>
+        </p:nvSpPr>
+        <p:spPr>
+          <a:xfrm>
+            <a:off x="4041648" y="740664"/>
+            <a:ext cx="5001768" cy="2530856"/>
+          </a:xfrm>
+          <a:prstGeom prst="rect">
+            <a:avLst/>
+          </a:prstGeom>
+        </p:spPr>
+        <p:style>
+          <a:lnRef idx="2">
+            <a:schemeClr val="accent1">
+              <a:shade val="15000"/>
+            </a:schemeClr>
+          </a:lnRef>
+          <a:fillRef idx="1">
+            <a:schemeClr val="accent1"/>
+          </a:fillRef>
+          <a:effectRef idx="0">
+            <a:schemeClr val="accent1"/>
+          </a:effectRef>
+          <a:fontRef idx="minor">
+            <a:schemeClr val="lt1"/>
+          </a:fontRef>
+        </p:style>
+        <p:txBody>
+          <a:bodyPr rtlCol="0" anchor="ctr"/>
+          <a:lstStyle/>
+          <a:p>
+            <a:pPr algn="ctr"/>
+            <a:r>
+              <a:rPr lang="en-US" dirty="0" err="1"/>
+              <a:t>Github</a:t>
+            </a:r>
+            <a:endParaRPr lang="en-US" dirty="0"/>
+          </a:p>
+          <a:p>
+            <a:pPr algn="ctr"/>
+            <a:r>
+              <a:rPr lang="en-US" dirty="0"/>
+              <a:t>Link</a:t>
+            </a:r>
+          </a:p>
+          <a:p>
+            <a:pPr algn="ctr"/>
+            <a:r>
+              <a:rPr lang="en-US" dirty="0"/>
+              <a:t>Text</a:t>
+            </a:r>
+          </a:p>
+          <a:p>
+            <a:pPr algn="ctr"/>
+            <a:r>
+              <a:rPr lang="en-US" dirty="0"/>
+              <a:t>Image???</a:t>
+            </a:r>
+          </a:p>
+        </p:txBody>
+      </p:sp>
+    </p:spTree>
+    <p:extLst>
+      <p:ext uri="{BB962C8B-B14F-4D97-AF65-F5344CB8AC3E}">
+        <p14:creationId xmlns:p14="http://schemas.microsoft.com/office/powerpoint/2010/main" val="1387500414"/>
       </p:ext>
     </p:extLst>
   </p:cSld>
